--- a/ch02/开启服务器配置.pptx
+++ b/ch02/开启服务器配置.pptx
@@ -8,6 +8,9 @@
     <p:sldId id="256" r:id="rId3"/>
     <p:sldId id="258" r:id="rId4"/>
     <p:sldId id="260" r:id="rId5"/>
+    <p:sldId id="262" r:id="rId6"/>
+    <p:sldId id="263" r:id="rId7"/>
+    <p:sldId id="261" r:id="rId8"/>
   </p:sldIdLst>
   <p:sldSz cx="12192000" cy="6858000"/>
   <p:notesSz cx="6858000" cy="9144000"/>
@@ -2983,74 +2986,65 @@
           </a:p>
         </p:txBody>
       </p:sp>
-      <p:sp>
-        <p:nvSpPr>
-          <p:cNvPr id="3" name="内容占位符 2"/>
-          <p:cNvSpPr>
-            <a:spLocks noGrp="1"/>
-          </p:cNvSpPr>
+      <p:pic>
+        <p:nvPicPr>
+          <p:cNvPr id="4" name="内容占位符 3" descr="open-server-config"/>
+          <p:cNvPicPr>
+            <a:picLocks noChangeAspect="1"/>
+          </p:cNvPicPr>
           <p:nvPr>
             <p:ph idx="1"/>
           </p:nvPr>
-        </p:nvSpPr>
+        </p:nvPicPr>
+        <p:blipFill>
+          <a:blip r:embed="rId1"/>
+          <a:stretch>
+            <a:fillRect/>
+          </a:stretch>
+        </p:blipFill>
         <p:spPr>
           <a:xfrm>
-            <a:off x="838200" y="1325880"/>
-            <a:ext cx="10515600" cy="4851400"/>
+            <a:off x="838200" y="1031875"/>
+            <a:ext cx="11264265" cy="4384040"/>
           </a:xfrm>
+          <a:prstGeom prst="rect">
+            <a:avLst/>
+          </a:prstGeom>
+          <a:ln w="12700">
+            <a:solidFill>
+              <a:schemeClr val="tx2">
+                <a:lumMod val="50000"/>
+              </a:schemeClr>
+            </a:solidFill>
+          </a:ln>
         </p:spPr>
-        <p:txBody>
-          <a:bodyPr/>
-          <a:p>
-            <a:r>
-              <a:rPr lang="zh-CN" altLang="en-US"/>
-              <a:t>微信服务器使用</a:t>
-            </a:r>
-            <a:r>
-              <a:rPr lang="en-US" altLang="zh-CN"/>
-              <a:t>XML</a:t>
-            </a:r>
-            <a:r>
-              <a:rPr lang="zh-CN" altLang="en-US"/>
-              <a:t>格式转发用户消息与事件消息到开发者服务器。</a:t>
-            </a:r>
-            <a:endParaRPr lang="zh-CN" altLang="en-US"/>
-          </a:p>
-          <a:p>
-            <a:endParaRPr lang="zh-CN" altLang="en-US"/>
-          </a:p>
-          <a:p>
-            <a:r>
-              <a:rPr lang="zh-CN" altLang="en-US"/>
-              <a:t>开发者服务器要返回</a:t>
-            </a:r>
-            <a:r>
-              <a:rPr lang="en-US" altLang="zh-CN"/>
-              <a:t>XML</a:t>
-            </a:r>
-            <a:r>
-              <a:rPr lang="zh-CN" altLang="en-US"/>
-              <a:t>格式的消息。</a:t>
-            </a:r>
-            <a:endParaRPr lang="zh-CN" altLang="en-US"/>
-          </a:p>
-          <a:p>
-            <a:endParaRPr lang="zh-CN" altLang="en-US"/>
-          </a:p>
-          <a:p>
-            <a:r>
-              <a:rPr lang="zh-CN" altLang="en-US"/>
-              <a:t>如果开发者在某些情况下不需要回复消息，则要返回空字符串或</a:t>
-            </a:r>
-            <a:r>
-              <a:rPr lang="en-US" altLang="zh-CN"/>
-              <a:t>success</a:t>
-            </a:r>
-            <a:r>
-              <a:rPr lang="zh-CN" altLang="en-US"/>
-              <a:t>字符串。</a:t>
-            </a:r>
-            <a:endParaRPr lang="en-US" altLang="zh-CN"/>
+      </p:pic>
+      <p:sp>
+        <p:nvSpPr>
+          <p:cNvPr id="5" name="文本框 4"/>
+          <p:cNvSpPr txBox="1"/>
+          <p:nvPr/>
+        </p:nvSpPr>
+        <p:spPr>
+          <a:xfrm>
+            <a:off x="962660" y="5734050"/>
+            <a:ext cx="7893685" cy="829945"/>
+          </a:xfrm>
+          <a:prstGeom prst="rect">
+            <a:avLst/>
+          </a:prstGeom>
+          <a:noFill/>
+        </p:spPr>
+        <p:txBody>
+          <a:bodyPr wrap="square" rtlCol="0">
+            <a:spAutoFit/>
+          </a:bodyPr>
+          <a:p>
+            <a:r>
+              <a:rPr lang="zh-CN" altLang="en-US" sz="2400"/>
+              <a:t>页面截图：登录微信公众号，在左侧菜单点击开发选项中的基本配置。</a:t>
+            </a:r>
+            <a:endParaRPr lang="zh-CN" altLang="en-US" sz="2400"/>
           </a:p>
         </p:txBody>
       </p:sp>
@@ -3085,7 +3079,7 @@
         <p:spPr>
           <a:xfrm>
             <a:off x="838200" y="365125"/>
-            <a:ext cx="10515600" cy="846455"/>
+            <a:ext cx="10515600" cy="705485"/>
           </a:xfrm>
         </p:spPr>
         <p:txBody>
@@ -3112,16 +3106,912 @@
         <p:spPr>
           <a:xfrm>
             <a:off x="838200" y="1325880"/>
-            <a:ext cx="10515600" cy="4851400"/>
+            <a:ext cx="10515600" cy="5283200"/>
           </a:xfrm>
         </p:spPr>
         <p:txBody>
-          <a:bodyPr/>
+          <a:bodyPr>
+            <a:normAutofit lnSpcReduction="10000"/>
+          </a:bodyPr>
+          <a:p>
+            <a:pPr indent="0" fontAlgn="auto">
+              <a:lnSpc>
+                <a:spcPct val="100000"/>
+              </a:lnSpc>
+            </a:pPr>
+            <a:r>
+              <a:rPr lang="en-US" altLang="zh-CN" sz="2400" b="1"/>
+              <a:t>服务器地址：</a:t>
+            </a:r>
+            <a:r>
+              <a:rPr lang="en-US" altLang="zh-CN" sz="2400"/>
+              <a:t> 你自己的服务器URL，当用户对你的公众号发送消息，微信服务器会把消息转发到这个URL，并等待回复，然后把消息转发给用户。</a:t>
+            </a:r>
+            <a:endParaRPr lang="en-US" altLang="zh-CN" sz="2400"/>
+          </a:p>
+          <a:p>
+            <a:pPr marL="0" indent="0" fontAlgn="auto">
+              <a:lnSpc>
+                <a:spcPct val="100000"/>
+              </a:lnSpc>
+              <a:buNone/>
+            </a:pPr>
+            <a:endParaRPr lang="en-US" altLang="zh-CN" sz="2400"/>
+          </a:p>
+          <a:p>
+            <a:pPr indent="0" fontAlgn="auto">
+              <a:lnSpc>
+                <a:spcPct val="100000"/>
+              </a:lnSpc>
+            </a:pPr>
+            <a:r>
+              <a:rPr lang="en-US" altLang="zh-CN" sz="2400" b="1"/>
+              <a:t>令牌</a:t>
+            </a:r>
+            <a:r>
+              <a:rPr lang="zh-CN" altLang="en-US" sz="2400" b="1"/>
+              <a:t>（</a:t>
+            </a:r>
+            <a:r>
+              <a:rPr lang="en-US" altLang="zh-CN" sz="2400" b="1"/>
+              <a:t>token</a:t>
+            </a:r>
+            <a:r>
+              <a:rPr lang="zh-CN" altLang="en-US" sz="2400" b="1"/>
+              <a:t>）</a:t>
+            </a:r>
+            <a:r>
+              <a:rPr lang="en-US" altLang="zh-CN" sz="2400" b="1"/>
+              <a:t>： </a:t>
+            </a:r>
+            <a:r>
+              <a:rPr lang="en-US" altLang="zh-CN" sz="2400"/>
+              <a:t>用于验证过程，配置URL需要验证，你在这里随意设置一个字符串，在你的服务器上按照公众平台开发手册给出的验证过程生成加密字符串和微信服务器发送过去的数据对比，因为token只有你自己知道，</a:t>
+            </a:r>
+            <a:r>
+              <a:rPr lang="zh-CN" altLang="en-US" sz="2400"/>
+              <a:t>依据</a:t>
+            </a:r>
+            <a:r>
+              <a:rPr lang="en-US" altLang="zh-CN" sz="2400"/>
+              <a:t>token</a:t>
+            </a:r>
+            <a:r>
+              <a:rPr lang="zh-CN" altLang="en-US" sz="2400"/>
+              <a:t>可以标识请求来自微信。</a:t>
+            </a:r>
+            <a:endParaRPr lang="en-US" altLang="zh-CN" sz="2400"/>
+          </a:p>
+          <a:p>
+            <a:pPr marL="0" indent="0" fontAlgn="auto">
+              <a:lnSpc>
+                <a:spcPct val="100000"/>
+              </a:lnSpc>
+              <a:buNone/>
+            </a:pPr>
+            <a:endParaRPr lang="en-US" altLang="zh-CN" sz="2400"/>
+          </a:p>
+          <a:p>
+            <a:pPr indent="0" fontAlgn="auto">
+              <a:lnSpc>
+                <a:spcPct val="100000"/>
+              </a:lnSpc>
+            </a:pPr>
+            <a:r>
+              <a:rPr lang="en-US" altLang="zh-CN" sz="2400" b="1"/>
+              <a:t>消息加密解密密钥： </a:t>
+            </a:r>
+            <a:r>
+              <a:rPr lang="en-US" altLang="zh-CN" sz="2400"/>
+              <a:t>一个字符串用于加密消息的处理，这个参数需要开启消息加密才有效。</a:t>
+            </a:r>
+            <a:endParaRPr lang="en-US" altLang="zh-CN" sz="2400"/>
+          </a:p>
+          <a:p>
+            <a:pPr marL="0" indent="0" fontAlgn="auto">
+              <a:lnSpc>
+                <a:spcPct val="100000"/>
+              </a:lnSpc>
+              <a:buNone/>
+            </a:pPr>
+            <a:endParaRPr lang="en-US" altLang="zh-CN" sz="2400"/>
+          </a:p>
+          <a:p>
+            <a:pPr indent="0" fontAlgn="auto">
+              <a:lnSpc>
+                <a:spcPct val="100000"/>
+              </a:lnSpc>
+            </a:pPr>
+            <a:r>
+              <a:rPr lang="en-US" altLang="zh-CN" sz="2400" b="1"/>
+              <a:t>消息加密方式：</a:t>
+            </a:r>
+            <a:r>
+              <a:rPr lang="en-US" altLang="zh-CN" sz="2400"/>
+              <a:t> 默认为明文模式，否则就要设置 </a:t>
+            </a:r>
+            <a:r>
+              <a:rPr lang="en-US" altLang="zh-CN" sz="2400" i="1"/>
+              <a:t>·消息加密解密密钥· </a:t>
+            </a:r>
+            <a:r>
+              <a:rPr lang="en-US" altLang="zh-CN" sz="2400"/>
+              <a:t>对收到的消息解密然后再处理，回复时也要先加密处理。</a:t>
+            </a:r>
+            <a:endParaRPr lang="en-US" altLang="zh-CN" sz="2400"/>
+          </a:p>
+        </p:txBody>
+      </p:sp>
+    </p:spTree>
+  </p:cSld>
+  <p:clrMapOvr>
+    <a:masterClrMapping/>
+  </p:clrMapOvr>
+</p:sld>
+</file>
+
+<file path=ppt/slides/slide4.xml><?xml version="1.0" encoding="utf-8"?>
+<p:sld xmlns:a="http://schemas.openxmlformats.org/drawingml/2006/main" xmlns:r="http://schemas.openxmlformats.org/officeDocument/2006/relationships" xmlns:p="http://schemas.openxmlformats.org/presentationml/2006/main">
+  <p:cSld>
+    <p:spTree>
+      <p:nvGrpSpPr>
+        <p:cNvPr id="1" name=""/>
+        <p:cNvGrpSpPr/>
+        <p:nvPr/>
+      </p:nvGrpSpPr>
+      <p:grpSpPr/>
+      <p:sp>
+        <p:nvSpPr>
+          <p:cNvPr id="2" name="标题 1"/>
+          <p:cNvSpPr>
+            <a:spLocks noGrp="1"/>
+          </p:cNvSpPr>
+          <p:nvPr>
+            <p:ph type="title"/>
+          </p:nvPr>
+        </p:nvSpPr>
+        <p:spPr>
+          <a:xfrm>
+            <a:off x="838200" y="365125"/>
+            <a:ext cx="10515600" cy="722630"/>
+          </a:xfrm>
+        </p:spPr>
+        <p:txBody>
+          <a:bodyPr/>
+          <a:p>
+            <a:r>
+              <a:rPr lang="zh-CN" altLang="en-US" sz="3600"/>
+              <a:t>验证过程</a:t>
+            </a:r>
+            <a:endParaRPr lang="zh-CN" altLang="en-US" sz="3600"/>
+          </a:p>
+        </p:txBody>
+      </p:sp>
+      <p:sp>
+        <p:nvSpPr>
+          <p:cNvPr id="3" name="内容占位符 2"/>
+          <p:cNvSpPr>
+            <a:spLocks noGrp="1"/>
+          </p:cNvSpPr>
+          <p:nvPr>
+            <p:ph idx="1"/>
+          </p:nvPr>
+        </p:nvSpPr>
+        <p:spPr>
+          <a:xfrm>
+            <a:off x="838200" y="1325880"/>
+            <a:ext cx="10515600" cy="5098415"/>
+          </a:xfrm>
+        </p:spPr>
+        <p:txBody>
+          <a:bodyPr>
+            <a:normAutofit lnSpcReduction="20000"/>
+          </a:bodyPr>
+          <a:p>
+            <a:pPr marL="0" indent="0" fontAlgn="auto">
+              <a:lnSpc>
+                <a:spcPct val="100000"/>
+              </a:lnSpc>
+              <a:buNone/>
+            </a:pPr>
+            <a:r>
+              <a:rPr lang="zh-CN" altLang="en-US" sz="2400"/>
+              <a:t>验</a:t>
+            </a:r>
+            <a:r>
+              <a:rPr lang="zh-CN" altLang="en-US" sz="2400">
+                <a:solidFill>
+                  <a:schemeClr val="tx1"/>
+                </a:solidFill>
+                <a:uFillTx/>
+                <a:latin typeface="FreeMono" panose="020F0409020205020404" charset="0"/>
+              </a:rPr>
+              <a:t>证过程会在</a:t>
+            </a:r>
+            <a:r>
+              <a:rPr lang="en-US" altLang="zh-CN" sz="2400">
+                <a:solidFill>
+                  <a:schemeClr val="tx1"/>
+                </a:solidFill>
+                <a:uFillTx/>
+                <a:latin typeface="FreeMono" panose="020F0409020205020404" charset="0"/>
+              </a:rPr>
+              <a:t>URL</a:t>
+            </a:r>
+            <a:r>
+              <a:rPr lang="zh-CN" altLang="en-US" sz="2400">
+                <a:solidFill>
+                  <a:schemeClr val="tx1"/>
+                </a:solidFill>
+                <a:uFillTx/>
+                <a:latin typeface="FreeMono" panose="020F0409020205020404" charset="0"/>
+              </a:rPr>
+              <a:t>上携带以下参数：</a:t>
+            </a:r>
+            <a:endParaRPr lang="zh-CN" altLang="en-US" sz="2400">
+              <a:solidFill>
+                <a:schemeClr val="tx1"/>
+              </a:solidFill>
+              <a:uFillTx/>
+              <a:latin typeface="FreeMono" panose="020F0409020205020404" charset="0"/>
+            </a:endParaRPr>
+          </a:p>
+          <a:p>
+            <a:pPr marL="1028700" lvl="1" indent="-342900" fontAlgn="auto">
+              <a:lnSpc>
+                <a:spcPct val="100000"/>
+              </a:lnSpc>
+            </a:pPr>
+            <a:r>
+              <a:rPr lang="en-US" altLang="zh-CN" b="1">
+                <a:solidFill>
+                  <a:schemeClr val="tx1"/>
+                </a:solidFill>
+                <a:uFillTx/>
+                <a:latin typeface="FreeMono" panose="020F0409020205020404" charset="0"/>
+              </a:rPr>
+              <a:t>signature</a:t>
+            </a:r>
+            <a:r>
+              <a:rPr lang="zh-CN" altLang="en-US">
+                <a:solidFill>
+                  <a:schemeClr val="tx1"/>
+                </a:solidFill>
+                <a:uFillTx/>
+                <a:latin typeface="FreeMono" panose="020F0409020205020404" charset="0"/>
+              </a:rPr>
+              <a:t>：微信加密签名，signature结合了开发者填写的token参数和请求中的timestamp参数、nonce参数。</a:t>
+            </a:r>
+            <a:endParaRPr lang="zh-CN" altLang="en-US">
+              <a:solidFill>
+                <a:schemeClr val="tx1"/>
+              </a:solidFill>
+              <a:uFillTx/>
+              <a:latin typeface="FreeMono" panose="020F0409020205020404" charset="0"/>
+            </a:endParaRPr>
+          </a:p>
+          <a:p>
+            <a:pPr lvl="1" indent="0" fontAlgn="auto">
+              <a:lnSpc>
+                <a:spcPct val="100000"/>
+              </a:lnSpc>
+              <a:buNone/>
+            </a:pPr>
+            <a:endParaRPr lang="zh-CN" altLang="en-US">
+              <a:solidFill>
+                <a:schemeClr val="tx1"/>
+              </a:solidFill>
+              <a:uFillTx/>
+              <a:latin typeface="FreeMono" panose="020F0409020205020404" charset="0"/>
+            </a:endParaRPr>
+          </a:p>
+          <a:p>
+            <a:pPr marL="1028700" lvl="1" indent="-342900" fontAlgn="auto">
+              <a:lnSpc>
+                <a:spcPct val="100000"/>
+              </a:lnSpc>
+            </a:pPr>
+            <a:r>
+              <a:rPr lang="en-US" altLang="zh-CN" b="1">
+                <a:solidFill>
+                  <a:schemeClr val="tx1"/>
+                </a:solidFill>
+                <a:uFillTx/>
+                <a:latin typeface="FreeMono" panose="020F0409020205020404" charset="0"/>
+              </a:rPr>
+              <a:t>timestamp</a:t>
+            </a:r>
+            <a:r>
+              <a:rPr lang="zh-CN" altLang="en-US">
+                <a:solidFill>
+                  <a:schemeClr val="tx1"/>
+                </a:solidFill>
+                <a:uFillTx/>
+                <a:latin typeface="FreeMono" panose="020F0409020205020404" charset="0"/>
+              </a:rPr>
+              <a:t>：时间戳。</a:t>
+            </a:r>
+            <a:endParaRPr lang="zh-CN" altLang="en-US">
+              <a:solidFill>
+                <a:schemeClr val="tx1"/>
+              </a:solidFill>
+              <a:uFillTx/>
+              <a:latin typeface="FreeMono" panose="020F0409020205020404" charset="0"/>
+            </a:endParaRPr>
+          </a:p>
+          <a:p>
+            <a:pPr lvl="1" indent="0" fontAlgn="auto">
+              <a:lnSpc>
+                <a:spcPct val="100000"/>
+              </a:lnSpc>
+              <a:buNone/>
+            </a:pPr>
+            <a:endParaRPr lang="zh-CN" altLang="en-US">
+              <a:solidFill>
+                <a:schemeClr val="tx1"/>
+              </a:solidFill>
+              <a:uFillTx/>
+              <a:latin typeface="FreeMono" panose="020F0409020205020404" charset="0"/>
+            </a:endParaRPr>
+          </a:p>
+          <a:p>
+            <a:pPr marL="1028700" lvl="1" indent="-342900" fontAlgn="auto">
+              <a:lnSpc>
+                <a:spcPct val="100000"/>
+              </a:lnSpc>
+            </a:pPr>
+            <a:r>
+              <a:rPr lang="en-US" altLang="zh-CN" b="1">
+                <a:solidFill>
+                  <a:schemeClr val="tx1"/>
+                </a:solidFill>
+                <a:uFillTx/>
+                <a:latin typeface="FreeMono" panose="020F0409020205020404" charset="0"/>
+              </a:rPr>
+              <a:t>nonce</a:t>
+            </a:r>
+            <a:r>
+              <a:rPr lang="zh-CN" altLang="en-US">
+                <a:solidFill>
+                  <a:schemeClr val="tx1"/>
+                </a:solidFill>
+                <a:uFillTx/>
+                <a:latin typeface="FreeMono" panose="020F0409020205020404" charset="0"/>
+              </a:rPr>
+              <a:t>：随机数。</a:t>
+            </a:r>
+            <a:endParaRPr lang="zh-CN" altLang="en-US">
+              <a:solidFill>
+                <a:schemeClr val="tx1"/>
+              </a:solidFill>
+              <a:uFillTx/>
+              <a:latin typeface="FreeMono" panose="020F0409020205020404" charset="0"/>
+            </a:endParaRPr>
+          </a:p>
+          <a:p>
+            <a:pPr marL="457200" lvl="1" indent="0" fontAlgn="auto">
+              <a:lnSpc>
+                <a:spcPct val="100000"/>
+              </a:lnSpc>
+              <a:buNone/>
+            </a:pPr>
+            <a:endParaRPr lang="zh-CN" altLang="en-US">
+              <a:solidFill>
+                <a:schemeClr val="tx1"/>
+              </a:solidFill>
+              <a:uFillTx/>
+              <a:latin typeface="FreeMono" panose="020F0409020205020404" charset="0"/>
+            </a:endParaRPr>
+          </a:p>
+          <a:p>
+            <a:pPr marL="1028700" lvl="1" indent="-342900" fontAlgn="auto">
+              <a:lnSpc>
+                <a:spcPct val="100000"/>
+              </a:lnSpc>
+            </a:pPr>
+            <a:r>
+              <a:rPr lang="en-US" altLang="zh-CN" b="1">
+                <a:solidFill>
+                  <a:schemeClr val="tx1"/>
+                </a:solidFill>
+                <a:uFillTx/>
+                <a:latin typeface="FreeMono" panose="020F0409020205020404" charset="0"/>
+              </a:rPr>
+              <a:t>echostr</a:t>
+            </a:r>
+            <a:r>
+              <a:rPr lang="zh-CN" altLang="en-US">
+                <a:solidFill>
+                  <a:schemeClr val="tx1"/>
+                </a:solidFill>
+                <a:uFillTx/>
+                <a:latin typeface="FreeMono" panose="020F0409020205020404" charset="0"/>
+              </a:rPr>
+              <a:t>：随机字符串。</a:t>
+            </a:r>
+            <a:endParaRPr lang="zh-CN" altLang="en-US" sz="2055"/>
+          </a:p>
           <a:p>
             <a:pPr marL="0" indent="0">
               <a:buNone/>
             </a:pPr>
-            <a:endParaRPr lang="en-US" altLang="zh-CN"/>
+            <a:endParaRPr lang="zh-CN" altLang="en-US" sz="2400"/>
+          </a:p>
+          <a:p>
+            <a:pPr marL="0" indent="0">
+              <a:buNone/>
+            </a:pPr>
+            <a:endParaRPr lang="zh-CN" altLang="en-US" sz="2400"/>
+          </a:p>
+          <a:p>
+            <a:pPr marL="0" indent="0">
+              <a:buNone/>
+            </a:pPr>
+            <a:endParaRPr lang="zh-CN" altLang="en-US" sz="2400"/>
+          </a:p>
+        </p:txBody>
+      </p:sp>
+    </p:spTree>
+  </p:cSld>
+  <p:clrMapOvr>
+    <a:masterClrMapping/>
+  </p:clrMapOvr>
+</p:sld>
+</file>
+
+<file path=ppt/slides/slide5.xml><?xml version="1.0" encoding="utf-8"?>
+<p:sld xmlns:a="http://schemas.openxmlformats.org/drawingml/2006/main" xmlns:r="http://schemas.openxmlformats.org/officeDocument/2006/relationships" xmlns:p="http://schemas.openxmlformats.org/presentationml/2006/main">
+  <p:cSld>
+    <p:spTree>
+      <p:nvGrpSpPr>
+        <p:cNvPr id="1" name=""/>
+        <p:cNvGrpSpPr/>
+        <p:nvPr/>
+      </p:nvGrpSpPr>
+      <p:grpSpPr/>
+      <p:sp>
+        <p:nvSpPr>
+          <p:cNvPr id="2" name="标题 1"/>
+          <p:cNvSpPr>
+            <a:spLocks noGrp="1"/>
+          </p:cNvSpPr>
+          <p:nvPr>
+            <p:ph type="title"/>
+          </p:nvPr>
+        </p:nvSpPr>
+        <p:spPr>
+          <a:xfrm>
+            <a:off x="838200" y="365125"/>
+            <a:ext cx="10515600" cy="722630"/>
+          </a:xfrm>
+        </p:spPr>
+        <p:txBody>
+          <a:bodyPr/>
+          <a:p>
+            <a:r>
+              <a:rPr lang="zh-CN" altLang="en-US" sz="3600"/>
+              <a:t>验证过程</a:t>
+            </a:r>
+            <a:endParaRPr lang="zh-CN" altLang="en-US" sz="3600"/>
+          </a:p>
+        </p:txBody>
+      </p:sp>
+      <p:sp>
+        <p:nvSpPr>
+          <p:cNvPr id="3" name="内容占位符 2"/>
+          <p:cNvSpPr>
+            <a:spLocks noGrp="1"/>
+          </p:cNvSpPr>
+          <p:nvPr>
+            <p:ph idx="1"/>
+          </p:nvPr>
+        </p:nvSpPr>
+        <p:spPr>
+          <a:xfrm>
+            <a:off x="838200" y="1325880"/>
+            <a:ext cx="10515600" cy="5098415"/>
+          </a:xfrm>
+        </p:spPr>
+        <p:txBody>
+          <a:bodyPr>
+            <a:normAutofit lnSpcReduction="20000"/>
+          </a:bodyPr>
+          <a:p>
+            <a:pPr fontAlgn="auto">
+              <a:lnSpc>
+                <a:spcPts val="3040"/>
+              </a:lnSpc>
+            </a:pPr>
+            <a:r>
+              <a:rPr lang="zh-CN" altLang="en-US" sz="2400">
+                <a:solidFill>
+                  <a:schemeClr val="tx1"/>
+                </a:solidFill>
+                <a:uFillTx/>
+                <a:latin typeface="FreeMono" panose="020F0409020205020404" charset="0"/>
+              </a:rPr>
+              <a:t>开发者通过检验signature对请求进行校验。生成signature的方式：</a:t>
+            </a:r>
+            <a:endParaRPr lang="zh-CN" altLang="en-US" sz="2400">
+              <a:solidFill>
+                <a:schemeClr val="tx1"/>
+              </a:solidFill>
+              <a:uFillTx/>
+              <a:latin typeface="FreeMono" panose="020F0409020205020404" charset="0"/>
+            </a:endParaRPr>
+          </a:p>
+          <a:p>
+            <a:pPr marL="0" indent="0" fontAlgn="auto">
+              <a:lnSpc>
+                <a:spcPts val="3040"/>
+              </a:lnSpc>
+              <a:buNone/>
+            </a:pPr>
+            <a:endParaRPr lang="zh-CN" altLang="en-US" sz="2400">
+              <a:solidFill>
+                <a:schemeClr val="tx1"/>
+              </a:solidFill>
+              <a:uFillTx/>
+              <a:latin typeface="FreeMono" panose="020F0409020205020404" charset="0"/>
+            </a:endParaRPr>
+          </a:p>
+          <a:p>
+            <a:pPr marL="0" indent="0" fontAlgn="auto">
+              <a:lnSpc>
+                <a:spcPts val="3040"/>
+              </a:lnSpc>
+              <a:buNone/>
+            </a:pPr>
+            <a:r>
+              <a:rPr lang="en-US" altLang="zh-CN" sz="2200">
+                <a:solidFill>
+                  <a:schemeClr val="tx1"/>
+                </a:solidFill>
+                <a:uFillTx/>
+                <a:latin typeface="FreeMono" panose="020F0409020205020404" charset="0"/>
+              </a:rPr>
+              <a:t>1. </a:t>
+            </a:r>
+            <a:r>
+              <a:rPr lang="zh-CN" altLang="en-US" sz="2200">
+                <a:solidFill>
+                  <a:schemeClr val="tx1"/>
+                </a:solidFill>
+                <a:uFillTx/>
+                <a:latin typeface="FreeMono" panose="020F0409020205020404" charset="0"/>
+              </a:rPr>
+              <a:t>将token、timestamp、nonce三个参数进行字典序排序。</a:t>
+            </a:r>
+            <a:endParaRPr lang="zh-CN" altLang="en-US" sz="2200">
+              <a:solidFill>
+                <a:schemeClr val="tx1"/>
+              </a:solidFill>
+              <a:uFillTx/>
+              <a:latin typeface="FreeMono" panose="020F0409020205020404" charset="0"/>
+            </a:endParaRPr>
+          </a:p>
+          <a:p>
+            <a:pPr marL="0" indent="0" fontAlgn="auto">
+              <a:lnSpc>
+                <a:spcPts val="3040"/>
+              </a:lnSpc>
+              <a:buNone/>
+            </a:pPr>
+            <a:r>
+              <a:rPr lang="en-US" altLang="zh-CN" sz="2200">
+                <a:solidFill>
+                  <a:schemeClr val="tx1"/>
+                </a:solidFill>
+                <a:uFillTx/>
+                <a:latin typeface="FreeMono" panose="020F0409020205020404" charset="0"/>
+              </a:rPr>
+              <a:t>2. </a:t>
+            </a:r>
+            <a:r>
+              <a:rPr lang="zh-CN" altLang="en-US" sz="2200">
+                <a:solidFill>
+                  <a:schemeClr val="tx1"/>
+                </a:solidFill>
+                <a:uFillTx/>
+                <a:latin typeface="FreeMono" panose="020F0409020205020404" charset="0"/>
+              </a:rPr>
+              <a:t>将三个参数字符串拼接成一个字符串进行sha1加密。</a:t>
+            </a:r>
+            <a:endParaRPr lang="zh-CN" altLang="en-US" sz="2200">
+              <a:solidFill>
+                <a:schemeClr val="tx1"/>
+              </a:solidFill>
+              <a:uFillTx/>
+              <a:latin typeface="FreeMono" panose="020F0409020205020404" charset="0"/>
+            </a:endParaRPr>
+          </a:p>
+          <a:p>
+            <a:pPr marL="0" indent="0" fontAlgn="auto">
+              <a:lnSpc>
+                <a:spcPts val="3040"/>
+              </a:lnSpc>
+              <a:buNone/>
+            </a:pPr>
+            <a:r>
+              <a:rPr lang="en-US" altLang="zh-CN" sz="2200">
+                <a:solidFill>
+                  <a:schemeClr val="tx1"/>
+                </a:solidFill>
+                <a:uFillTx/>
+                <a:latin typeface="FreeMono" panose="020F0409020205020404" charset="0"/>
+              </a:rPr>
+              <a:t>3. </a:t>
+            </a:r>
+            <a:r>
+              <a:rPr lang="zh-CN" altLang="en-US" sz="2200">
+                <a:solidFill>
+                  <a:schemeClr val="tx1"/>
+                </a:solidFill>
+                <a:uFillTx/>
+                <a:latin typeface="FreeMono" panose="020F0409020205020404" charset="0"/>
+              </a:rPr>
+              <a:t>开发者获得加密后的字符串可与signature对比，标识该请求来源于微信。</a:t>
+            </a:r>
+            <a:endParaRPr lang="zh-CN" altLang="en-US" sz="2200">
+              <a:solidFill>
+                <a:schemeClr val="tx1"/>
+              </a:solidFill>
+              <a:uFillTx/>
+              <a:latin typeface="FreeMono" panose="020F0409020205020404" charset="0"/>
+            </a:endParaRPr>
+          </a:p>
+          <a:p>
+            <a:pPr marL="0" indent="0" fontAlgn="auto">
+              <a:lnSpc>
+                <a:spcPts val="3040"/>
+              </a:lnSpc>
+              <a:buNone/>
+            </a:pPr>
+            <a:r>
+              <a:rPr lang="en-US" altLang="zh-CN" sz="2200">
+                <a:solidFill>
+                  <a:schemeClr val="tx1"/>
+                </a:solidFill>
+                <a:uFillTx/>
+                <a:latin typeface="FreeMono" panose="020F0409020205020404" charset="0"/>
+              </a:rPr>
+              <a:t>4. </a:t>
+            </a:r>
+            <a:r>
+              <a:rPr lang="zh-CN" altLang="en-US" sz="2200">
+                <a:solidFill>
+                  <a:schemeClr val="tx1"/>
+                </a:solidFill>
+                <a:uFillTx/>
+                <a:latin typeface="FreeMono" panose="020F0409020205020404" charset="0"/>
+              </a:rPr>
+              <a:t>如果对比</a:t>
+            </a:r>
+            <a:r>
+              <a:rPr lang="en-US" altLang="zh-CN" sz="2200">
+                <a:solidFill>
+                  <a:schemeClr val="tx1"/>
+                </a:solidFill>
+                <a:uFillTx/>
+                <a:latin typeface="FreeMono" panose="020F0409020205020404" charset="0"/>
+              </a:rPr>
+              <a:t>signature</a:t>
+            </a:r>
+            <a:r>
+              <a:rPr lang="zh-CN" altLang="en-US" sz="2200">
+                <a:solidFill>
+                  <a:schemeClr val="tx1"/>
+                </a:solidFill>
+                <a:uFillTx/>
+                <a:latin typeface="FreeMono" panose="020F0409020205020404" charset="0"/>
+              </a:rPr>
+              <a:t>相同则返回</a:t>
+            </a:r>
+            <a:r>
+              <a:rPr lang="en-US" altLang="zh-CN" sz="2200">
+                <a:solidFill>
+                  <a:schemeClr val="tx1"/>
+                </a:solidFill>
+                <a:uFillTx/>
+                <a:latin typeface="FreeMono" panose="020F0409020205020404" charset="0"/>
+              </a:rPr>
+              <a:t>echostr</a:t>
+            </a:r>
+            <a:r>
+              <a:rPr lang="zh-CN" altLang="en-US" sz="2200">
+                <a:solidFill>
+                  <a:schemeClr val="tx1"/>
+                </a:solidFill>
+                <a:uFillTx/>
+                <a:latin typeface="FreeMono" panose="020F0409020205020404" charset="0"/>
+              </a:rPr>
+              <a:t>。</a:t>
+            </a:r>
+            <a:endParaRPr lang="zh-CN" altLang="en-US" sz="2200">
+              <a:solidFill>
+                <a:schemeClr val="tx1"/>
+              </a:solidFill>
+              <a:uFillTx/>
+              <a:latin typeface="FreeMono" panose="020F0409020205020404" charset="0"/>
+            </a:endParaRPr>
+          </a:p>
+          <a:p>
+            <a:pPr marL="0" indent="0" fontAlgn="auto">
+              <a:lnSpc>
+                <a:spcPts val="3040"/>
+              </a:lnSpc>
+              <a:buNone/>
+            </a:pPr>
+            <a:endParaRPr lang="zh-CN" altLang="en-US" sz="2400">
+              <a:solidFill>
+                <a:schemeClr val="tx1"/>
+              </a:solidFill>
+              <a:uFillTx/>
+              <a:latin typeface="FreeMono" panose="020F0409020205020404" charset="0"/>
+            </a:endParaRPr>
+          </a:p>
+          <a:p>
+            <a:pPr fontAlgn="auto">
+              <a:lnSpc>
+                <a:spcPts val="3040"/>
+              </a:lnSpc>
+            </a:pPr>
+            <a:r>
+              <a:rPr lang="zh-CN" altLang="en-US" sz="2400">
+                <a:solidFill>
+                  <a:schemeClr val="tx1"/>
+                </a:solidFill>
+                <a:uFillTx/>
+                <a:latin typeface="FreeMono" panose="020F0409020205020404" charset="0"/>
+              </a:rPr>
+              <a:t>这是微信开发者文档给出的验证方式，开发者要按照这个流程处理，微信服务器也会按找此方时生成signature，通过</a:t>
+            </a:r>
+            <a:r>
+              <a:rPr lang="en-US" altLang="zh-CN" sz="2400">
+                <a:solidFill>
+                  <a:schemeClr val="tx1"/>
+                </a:solidFill>
+                <a:uFillTx/>
+                <a:latin typeface="FreeMono" panose="020F0409020205020404" charset="0"/>
+              </a:rPr>
+              <a:t>signature</a:t>
+            </a:r>
+            <a:r>
+              <a:rPr lang="zh-CN" altLang="en-US" sz="2400">
+                <a:solidFill>
+                  <a:schemeClr val="tx1"/>
+                </a:solidFill>
+                <a:uFillTx/>
+                <a:latin typeface="FreeMono" panose="020F0409020205020404" charset="0"/>
+              </a:rPr>
+              <a:t>进行请求验证。</a:t>
+            </a:r>
+            <a:endParaRPr lang="zh-CN" altLang="en-US" sz="2400"/>
+          </a:p>
+        </p:txBody>
+      </p:sp>
+    </p:spTree>
+  </p:cSld>
+  <p:clrMapOvr>
+    <a:masterClrMapping/>
+  </p:clrMapOvr>
+</p:sld>
+</file>
+
+<file path=ppt/slides/slide6.xml><?xml version="1.0" encoding="utf-8"?>
+<p:sld xmlns:a="http://schemas.openxmlformats.org/drawingml/2006/main" xmlns:r="http://schemas.openxmlformats.org/officeDocument/2006/relationships" xmlns:p="http://schemas.openxmlformats.org/presentationml/2006/main">
+  <p:cSld>
+    <p:spTree>
+      <p:nvGrpSpPr>
+        <p:cNvPr id="1" name=""/>
+        <p:cNvGrpSpPr/>
+        <p:nvPr/>
+      </p:nvGrpSpPr>
+      <p:grpSpPr/>
+      <p:sp>
+        <p:nvSpPr>
+          <p:cNvPr id="2" name="标题 1"/>
+          <p:cNvSpPr>
+            <a:spLocks noGrp="1"/>
+          </p:cNvSpPr>
+          <p:nvPr>
+            <p:ph type="title"/>
+          </p:nvPr>
+        </p:nvSpPr>
+        <p:spPr>
+          <a:xfrm>
+            <a:off x="838200" y="365125"/>
+            <a:ext cx="10515600" cy="722630"/>
+          </a:xfrm>
+        </p:spPr>
+        <p:txBody>
+          <a:bodyPr/>
+          <a:p>
+            <a:r>
+              <a:rPr lang="zh-CN" altLang="en-US" sz="3600"/>
+              <a:t>要注意的问题</a:t>
+            </a:r>
+            <a:endParaRPr lang="zh-CN" altLang="en-US" sz="3600"/>
+          </a:p>
+        </p:txBody>
+      </p:sp>
+      <p:sp>
+        <p:nvSpPr>
+          <p:cNvPr id="3" name="内容占位符 2"/>
+          <p:cNvSpPr>
+            <a:spLocks noGrp="1"/>
+          </p:cNvSpPr>
+          <p:nvPr>
+            <p:ph idx="1"/>
+          </p:nvPr>
+        </p:nvSpPr>
+        <p:spPr>
+          <a:xfrm>
+            <a:off x="838200" y="1325880"/>
+            <a:ext cx="10515600" cy="5098415"/>
+          </a:xfrm>
+        </p:spPr>
+        <p:txBody>
+          <a:bodyPr>
+            <a:normAutofit/>
+          </a:bodyPr>
+          <a:p>
+            <a:r>
+              <a:rPr lang="en-US" altLang="zh-CN" sz="2400"/>
+              <a:t>URL</a:t>
+            </a:r>
+            <a:r>
+              <a:rPr lang="zh-CN" altLang="en-US" sz="2400"/>
+              <a:t>不支持</a:t>
+            </a:r>
+            <a:r>
+              <a:rPr lang="en-US" altLang="zh-CN" sz="2400"/>
+              <a:t>IP</a:t>
+            </a:r>
+            <a:r>
+              <a:rPr lang="zh-CN" altLang="en-US" sz="2400"/>
+              <a:t>地址和端口号，只能使用已经备案的域名。</a:t>
+            </a:r>
+            <a:endParaRPr lang="zh-CN" altLang="en-US" sz="2400"/>
+          </a:p>
+          <a:p>
+            <a:pPr marL="0" indent="0">
+              <a:buNone/>
+            </a:pPr>
+            <a:endParaRPr lang="zh-CN" altLang="en-US" sz="2400"/>
+          </a:p>
+          <a:p>
+            <a:r>
+              <a:rPr lang="zh-CN" altLang="en-US" sz="2400"/>
+              <a:t>如果确认处理过程没有问题，但是还无法验证，可能是域名被微信封杀，需要申请解封。</a:t>
+            </a:r>
+            <a:endParaRPr lang="zh-CN" altLang="en-US" sz="2400"/>
+          </a:p>
+          <a:p>
+            <a:endParaRPr lang="en-US" altLang="zh-CN" sz="2400"/>
+          </a:p>
+          <a:p>
+            <a:r>
+              <a:rPr lang="zh-CN" altLang="en-US" sz="2400"/>
+              <a:t>验证过程是</a:t>
+            </a:r>
+            <a:r>
+              <a:rPr lang="en-US" altLang="zh-CN" sz="2400"/>
+              <a:t>GET</a:t>
+            </a:r>
+            <a:r>
+              <a:rPr lang="zh-CN" altLang="en-US" sz="2400"/>
+              <a:t>请求，而验证成功后转发消息要改成</a:t>
+            </a:r>
+            <a:r>
+              <a:rPr lang="en-US" altLang="zh-CN" sz="2400"/>
+              <a:t>POST</a:t>
+            </a:r>
+            <a:r>
+              <a:rPr lang="zh-CN" altLang="en-US" sz="2400"/>
+              <a:t>请求处理，这两个情况是互斥的。</a:t>
+            </a:r>
+            <a:endParaRPr lang="zh-CN" altLang="en-US" sz="2400"/>
           </a:p>
         </p:txBody>
       </p:sp>

--- a/ch02/开启服务器配置.pptx
+++ b/ch02/开启服务器配置.pptx
@@ -2972,11 +2972,13 @@
         <p:spPr>
           <a:xfrm>
             <a:off x="838200" y="365125"/>
-            <a:ext cx="10515600" cy="846455"/>
+            <a:ext cx="10515600" cy="606425"/>
           </a:xfrm>
         </p:spPr>
         <p:txBody>
-          <a:bodyPr/>
+          <a:bodyPr>
+            <a:noAutofit/>
+          </a:bodyPr>
           <a:p>
             <a:r>
               <a:rPr lang="zh-CN" altLang="en-US" sz="3600"/>

--- a/ch02/开启服务器配置.pptx
+++ b/ch02/开启服务器配置.pptx
@@ -9,8 +9,9 @@
     <p:sldId id="258" r:id="rId4"/>
     <p:sldId id="260" r:id="rId5"/>
     <p:sldId id="262" r:id="rId6"/>
-    <p:sldId id="263" r:id="rId7"/>
-    <p:sldId id="261" r:id="rId8"/>
+    <p:sldId id="265" r:id="rId7"/>
+    <p:sldId id="263" r:id="rId8"/>
+    <p:sldId id="261" r:id="rId9"/>
   </p:sldIdLst>
   <p:sldSz cx="12192000" cy="6858000"/>
   <p:notesSz cx="6858000" cy="9144000"/>
@@ -3029,8 +3030,8 @@
         </p:nvSpPr>
         <p:spPr>
           <a:xfrm>
-            <a:off x="962660" y="5734050"/>
-            <a:ext cx="7893685" cy="829945"/>
+            <a:off x="900430" y="5742940"/>
+            <a:ext cx="9457690" cy="460375"/>
           </a:xfrm>
           <a:prstGeom prst="rect">
             <a:avLst/>
@@ -3107,140 +3108,304 @@
         </p:nvSpPr>
         <p:spPr>
           <a:xfrm>
-            <a:off x="838200" y="1325880"/>
-            <a:ext cx="10515600" cy="5283200"/>
+            <a:off x="838200" y="1070610"/>
+            <a:ext cx="10515600" cy="5460365"/>
           </a:xfrm>
         </p:spPr>
         <p:txBody>
           <a:bodyPr>
-            <a:normAutofit lnSpcReduction="10000"/>
+            <a:normAutofit lnSpcReduction="20000"/>
           </a:bodyPr>
           <a:p>
             <a:pPr indent="0" fontAlgn="auto">
               <a:lnSpc>
-                <a:spcPct val="100000"/>
+                <a:spcPct val="110000"/>
               </a:lnSpc>
             </a:pPr>
             <a:r>
-              <a:rPr lang="en-US" altLang="zh-CN" sz="2400" b="1"/>
+              <a:rPr lang="en-US" altLang="zh-CN" sz="2400" b="1">
+                <a:solidFill>
+                  <a:schemeClr val="tx1"/>
+                </a:solidFill>
+                <a:uFillTx/>
+                <a:latin typeface="FreeMono" panose="020F0409020205020404" charset="0"/>
+              </a:rPr>
               <a:t>服务器地址：</a:t>
             </a:r>
             <a:r>
-              <a:rPr lang="en-US" altLang="zh-CN" sz="2400"/>
+              <a:rPr lang="en-US" altLang="zh-CN" sz="2400">
+                <a:solidFill>
+                  <a:schemeClr val="tx1"/>
+                </a:solidFill>
+                <a:uFillTx/>
+                <a:latin typeface="FreeMono" panose="020F0409020205020404" charset="0"/>
+              </a:rPr>
               <a:t> 你自己的服务器URL，当用户对你的公众号发送消息，微信服务器会把消息转发到这个URL，并等待回复，然后把消息转发给用户。</a:t>
             </a:r>
-            <a:endParaRPr lang="en-US" altLang="zh-CN" sz="2400"/>
+            <a:endParaRPr lang="en-US" altLang="zh-CN" sz="2400">
+              <a:solidFill>
+                <a:schemeClr val="tx1"/>
+              </a:solidFill>
+              <a:uFillTx/>
+              <a:latin typeface="FreeMono" panose="020F0409020205020404" charset="0"/>
+            </a:endParaRPr>
           </a:p>
           <a:p>
             <a:pPr marL="0" indent="0" fontAlgn="auto">
               <a:lnSpc>
-                <a:spcPct val="100000"/>
+                <a:spcPct val="110000"/>
               </a:lnSpc>
               <a:buNone/>
             </a:pPr>
-            <a:endParaRPr lang="en-US" altLang="zh-CN" sz="2400"/>
+            <a:endParaRPr lang="en-US" altLang="zh-CN" sz="2400">
+              <a:solidFill>
+                <a:schemeClr val="tx1"/>
+              </a:solidFill>
+              <a:uFillTx/>
+              <a:latin typeface="FreeMono" panose="020F0409020205020404" charset="0"/>
+            </a:endParaRPr>
           </a:p>
           <a:p>
             <a:pPr indent="0" fontAlgn="auto">
               <a:lnSpc>
-                <a:spcPct val="100000"/>
+                <a:spcPct val="110000"/>
               </a:lnSpc>
             </a:pPr>
             <a:r>
-              <a:rPr lang="en-US" altLang="zh-CN" sz="2400" b="1"/>
+              <a:rPr lang="en-US" altLang="zh-CN" sz="2400" b="1">
+                <a:solidFill>
+                  <a:schemeClr val="tx1"/>
+                </a:solidFill>
+                <a:uFillTx/>
+                <a:latin typeface="FreeMono" panose="020F0409020205020404" charset="0"/>
+              </a:rPr>
               <a:t>令牌</a:t>
             </a:r>
             <a:r>
-              <a:rPr lang="zh-CN" altLang="en-US" sz="2400" b="1"/>
+              <a:rPr lang="zh-CN" altLang="en-US" sz="2400" b="1">
+                <a:solidFill>
+                  <a:schemeClr val="tx1"/>
+                </a:solidFill>
+                <a:uFillTx/>
+                <a:latin typeface="FreeMono" panose="020F0409020205020404" charset="0"/>
+              </a:rPr>
               <a:t>（</a:t>
             </a:r>
             <a:r>
-              <a:rPr lang="en-US" altLang="zh-CN" sz="2400" b="1"/>
+              <a:rPr lang="en-US" altLang="zh-CN" sz="2400" b="1">
+                <a:solidFill>
+                  <a:schemeClr val="tx1"/>
+                </a:solidFill>
+                <a:uFillTx/>
+                <a:latin typeface="FreeMono" panose="020F0409020205020404" charset="0"/>
+              </a:rPr>
               <a:t>token</a:t>
             </a:r>
             <a:r>
-              <a:rPr lang="zh-CN" altLang="en-US" sz="2400" b="1"/>
+              <a:rPr lang="zh-CN" altLang="en-US" sz="2400" b="1">
+                <a:solidFill>
+                  <a:schemeClr val="tx1"/>
+                </a:solidFill>
+                <a:uFillTx/>
+                <a:latin typeface="FreeMono" panose="020F0409020205020404" charset="0"/>
+              </a:rPr>
               <a:t>）</a:t>
             </a:r>
             <a:r>
-              <a:rPr lang="en-US" altLang="zh-CN" sz="2400" b="1"/>
+              <a:rPr lang="en-US" altLang="zh-CN" sz="2400" b="1">
+                <a:solidFill>
+                  <a:schemeClr val="tx1"/>
+                </a:solidFill>
+                <a:uFillTx/>
+                <a:latin typeface="FreeMono" panose="020F0409020205020404" charset="0"/>
+              </a:rPr>
               <a:t>： </a:t>
             </a:r>
             <a:r>
-              <a:rPr lang="en-US" altLang="zh-CN" sz="2400"/>
-              <a:t>用于验证过程，配置URL需要验证，你在这里随意设置一个字符串，在你的服务器上按照公众平台开发手册给出的验证过程生成加密字符串和微信服务器发送过去的数据对比，因为token只有你自己知道，</a:t>
-            </a:r>
-            <a:r>
-              <a:rPr lang="zh-CN" altLang="en-US" sz="2400"/>
+              <a:rPr lang="en-US" altLang="zh-CN" sz="2400">
+                <a:solidFill>
+                  <a:schemeClr val="tx1"/>
+                </a:solidFill>
+                <a:uFillTx/>
+                <a:latin typeface="FreeMono" panose="020F0409020205020404" charset="0"/>
+              </a:rPr>
+              <a:t>用于验证过程，配置URL需要验证，你在这里随意设置一个字符串，在你的服务器上按照开发手册给出的验证过程生成加密字符串和微信服务器</a:t>
+            </a:r>
+            <a:r>
+              <a:rPr lang="zh-CN" altLang="en-US" sz="2400">
+                <a:solidFill>
+                  <a:schemeClr val="tx1"/>
+                </a:solidFill>
+                <a:uFillTx/>
+                <a:latin typeface="FreeMono" panose="020F0409020205020404" charset="0"/>
+              </a:rPr>
+              <a:t>请求</a:t>
+            </a:r>
+            <a:r>
+              <a:rPr lang="en-US" altLang="zh-CN" sz="2400">
+                <a:solidFill>
+                  <a:schemeClr val="tx1"/>
+                </a:solidFill>
+                <a:uFillTx/>
+                <a:latin typeface="FreeMono" panose="020F0409020205020404" charset="0"/>
+              </a:rPr>
+              <a:t>的数据对比，因为token只有你自己知道，</a:t>
+            </a:r>
+            <a:r>
+              <a:rPr lang="zh-CN" altLang="en-US" sz="2400">
+                <a:solidFill>
+                  <a:schemeClr val="tx1"/>
+                </a:solidFill>
+                <a:uFillTx/>
+                <a:latin typeface="FreeMono" panose="020F0409020205020404" charset="0"/>
+              </a:rPr>
               <a:t>依据</a:t>
             </a:r>
             <a:r>
-              <a:rPr lang="en-US" altLang="zh-CN" sz="2400"/>
+              <a:rPr lang="en-US" altLang="zh-CN" sz="2400">
+                <a:solidFill>
+                  <a:schemeClr val="tx1"/>
+                </a:solidFill>
+                <a:uFillTx/>
+                <a:latin typeface="FreeMono" panose="020F0409020205020404" charset="0"/>
+              </a:rPr>
               <a:t>token</a:t>
             </a:r>
             <a:r>
-              <a:rPr lang="zh-CN" altLang="en-US" sz="2400"/>
+              <a:rPr lang="zh-CN" altLang="en-US" sz="2400">
+                <a:solidFill>
+                  <a:schemeClr val="tx1"/>
+                </a:solidFill>
+                <a:uFillTx/>
+                <a:latin typeface="FreeMono" panose="020F0409020205020404" charset="0"/>
+              </a:rPr>
               <a:t>可以标识请求来自微信。</a:t>
             </a:r>
-            <a:endParaRPr lang="en-US" altLang="zh-CN" sz="2400"/>
+            <a:endParaRPr lang="en-US" altLang="zh-CN" sz="2400">
+              <a:solidFill>
+                <a:schemeClr val="tx1"/>
+              </a:solidFill>
+              <a:uFillTx/>
+              <a:latin typeface="FreeMono" panose="020F0409020205020404" charset="0"/>
+            </a:endParaRPr>
           </a:p>
           <a:p>
             <a:pPr marL="0" indent="0" fontAlgn="auto">
               <a:lnSpc>
-                <a:spcPct val="100000"/>
+                <a:spcPct val="110000"/>
               </a:lnSpc>
               <a:buNone/>
             </a:pPr>
-            <a:endParaRPr lang="en-US" altLang="zh-CN" sz="2400"/>
+            <a:endParaRPr lang="en-US" altLang="zh-CN" sz="2400">
+              <a:solidFill>
+                <a:schemeClr val="tx1"/>
+              </a:solidFill>
+              <a:uFillTx/>
+              <a:latin typeface="FreeMono" panose="020F0409020205020404" charset="0"/>
+            </a:endParaRPr>
           </a:p>
           <a:p>
             <a:pPr indent="0" fontAlgn="auto">
               <a:lnSpc>
-                <a:spcPct val="100000"/>
+                <a:spcPct val="110000"/>
               </a:lnSpc>
             </a:pPr>
             <a:r>
-              <a:rPr lang="en-US" altLang="zh-CN" sz="2400" b="1"/>
+              <a:rPr lang="en-US" altLang="zh-CN" sz="2400" b="1">
+                <a:solidFill>
+                  <a:schemeClr val="tx1"/>
+                </a:solidFill>
+                <a:uFillTx/>
+                <a:latin typeface="FreeMono" panose="020F0409020205020404" charset="0"/>
+              </a:rPr>
               <a:t>消息加密解密密钥： </a:t>
             </a:r>
             <a:r>
-              <a:rPr lang="en-US" altLang="zh-CN" sz="2400"/>
+              <a:rPr lang="en-US" altLang="zh-CN" sz="2400">
+                <a:solidFill>
+                  <a:schemeClr val="tx1"/>
+                </a:solidFill>
+                <a:uFillTx/>
+                <a:latin typeface="FreeMono" panose="020F0409020205020404" charset="0"/>
+              </a:rPr>
               <a:t>一个字符串用于加密消息的处理，这个参数需要开启消息加密才有效。</a:t>
             </a:r>
-            <a:endParaRPr lang="en-US" altLang="zh-CN" sz="2400"/>
+            <a:endParaRPr lang="en-US" altLang="zh-CN" sz="2400">
+              <a:solidFill>
+                <a:schemeClr val="tx1"/>
+              </a:solidFill>
+              <a:uFillTx/>
+              <a:latin typeface="FreeMono" panose="020F0409020205020404" charset="0"/>
+            </a:endParaRPr>
           </a:p>
           <a:p>
             <a:pPr marL="0" indent="0" fontAlgn="auto">
               <a:lnSpc>
-                <a:spcPct val="100000"/>
+                <a:spcPct val="110000"/>
               </a:lnSpc>
               <a:buNone/>
             </a:pPr>
-            <a:endParaRPr lang="en-US" altLang="zh-CN" sz="2400"/>
+            <a:endParaRPr lang="en-US" altLang="zh-CN" sz="2400">
+              <a:solidFill>
+                <a:schemeClr val="tx1"/>
+              </a:solidFill>
+              <a:uFillTx/>
+              <a:latin typeface="FreeMono" panose="020F0409020205020404" charset="0"/>
+            </a:endParaRPr>
           </a:p>
           <a:p>
             <a:pPr indent="0" fontAlgn="auto">
               <a:lnSpc>
-                <a:spcPct val="100000"/>
+                <a:spcPct val="110000"/>
               </a:lnSpc>
             </a:pPr>
             <a:r>
-              <a:rPr lang="en-US" altLang="zh-CN" sz="2400" b="1"/>
+              <a:rPr lang="en-US" altLang="zh-CN" sz="2400" b="1">
+                <a:solidFill>
+                  <a:schemeClr val="tx1"/>
+                </a:solidFill>
+                <a:uFillTx/>
+                <a:latin typeface="FreeMono" panose="020F0409020205020404" charset="0"/>
+              </a:rPr>
               <a:t>消息加密方式：</a:t>
             </a:r>
             <a:r>
-              <a:rPr lang="en-US" altLang="zh-CN" sz="2400"/>
+              <a:rPr lang="en-US" altLang="zh-CN" sz="2400">
+                <a:solidFill>
+                  <a:schemeClr val="tx1"/>
+                </a:solidFill>
+                <a:uFillTx/>
+                <a:latin typeface="FreeMono" panose="020F0409020205020404" charset="0"/>
+              </a:rPr>
               <a:t> 默认为明文模式，否则就要设置 </a:t>
             </a:r>
             <a:r>
-              <a:rPr lang="en-US" altLang="zh-CN" sz="2400" i="1"/>
+              <a:rPr lang="en-US" altLang="zh-CN" sz="2400" i="1">
+                <a:solidFill>
+                  <a:schemeClr val="tx1"/>
+                </a:solidFill>
+                <a:uFillTx/>
+                <a:latin typeface="FreeMono" panose="020F0409020205020404" charset="0"/>
+              </a:rPr>
               <a:t>·消息加密解密密钥· </a:t>
             </a:r>
             <a:r>
-              <a:rPr lang="en-US" altLang="zh-CN" sz="2400"/>
+              <a:rPr lang="en-US" altLang="zh-CN" sz="2400">
+                <a:solidFill>
+                  <a:schemeClr val="tx1"/>
+                </a:solidFill>
+                <a:uFillTx/>
+                <a:latin typeface="FreeMono" panose="020F0409020205020404" charset="0"/>
+              </a:rPr>
               <a:t>对收到的消息解密然后再处理，回复时也要先加密处理。</a:t>
             </a:r>
-            <a:endParaRPr lang="en-US" altLang="zh-CN" sz="2400"/>
+            <a:endParaRPr lang="en-US" altLang="zh-CN" sz="2400">
+              <a:solidFill>
+                <a:schemeClr val="tx1"/>
+              </a:solidFill>
+              <a:uFillTx/>
+              <a:latin typeface="FreeMono" panose="020F0409020205020404" charset="0"/>
+            </a:endParaRPr>
           </a:p>
         </p:txBody>
       </p:sp>
@@ -3592,7 +3757,7 @@
           <a:p>
             <a:r>
               <a:rPr lang="zh-CN" altLang="en-US" sz="3600"/>
-              <a:t>验证过程</a:t>
+              <a:t>验证过程请求示例</a:t>
             </a:r>
             <a:endParaRPr lang="zh-CN" altLang="en-US" sz="3600"/>
           </a:p>
@@ -3616,12 +3781,12 @@
         </p:spPr>
         <p:txBody>
           <a:bodyPr>
-            <a:normAutofit lnSpcReduction="20000"/>
+            <a:normAutofit/>
           </a:bodyPr>
           <a:p>
             <a:pPr fontAlgn="auto">
               <a:lnSpc>
-                <a:spcPts val="3040"/>
+                <a:spcPct val="100000"/>
               </a:lnSpc>
             </a:pPr>
             <a:r>
@@ -3632,7 +3797,47 @@
                 <a:uFillTx/>
                 <a:latin typeface="FreeMono" panose="020F0409020205020404" charset="0"/>
               </a:rPr>
-              <a:t>开发者通过检验signature对请求进行校验。生成signature的方式：</a:t>
+              <a:t>如果你设置的</a:t>
+            </a:r>
+            <a:r>
+              <a:rPr lang="en-US" altLang="zh-CN" sz="2400">
+                <a:solidFill>
+                  <a:schemeClr val="tx1"/>
+                </a:solidFill>
+                <a:uFillTx/>
+                <a:latin typeface="FreeMono" panose="020F0409020205020404" charset="0"/>
+              </a:rPr>
+              <a:t>URL</a:t>
+            </a:r>
+            <a:r>
+              <a:rPr lang="zh-CN" altLang="en-US" sz="2400">
+                <a:solidFill>
+                  <a:schemeClr val="tx1"/>
+                </a:solidFill>
+                <a:uFillTx/>
+                <a:latin typeface="FreeMono" panose="020F0409020205020404" charset="0"/>
+              </a:rPr>
+              <a:t>为：</a:t>
+            </a:r>
+            <a:r>
+              <a:rPr lang="en-US" altLang="zh-CN" sz="2400">
+                <a:solidFill>
+                  <a:schemeClr val="tx1"/>
+                </a:solidFill>
+                <a:uFillTx/>
+                <a:latin typeface="FreeMono" panose="020F0409020205020404" charset="0"/>
+              </a:rPr>
+              <a:t>https://www.wxh5.com/wxmsg</a:t>
+            </a:r>
+            <a:r>
+              <a:rPr lang="zh-CN" altLang="en-US" sz="2400">
+                <a:solidFill>
+                  <a:schemeClr val="tx1"/>
+                </a:solidFill>
+                <a:uFillTx/>
+                <a:latin typeface="FreeMono" panose="020F0409020205020404" charset="0"/>
+              </a:rPr>
+              <a:t>。在验证时，微信服务器会发送以下请求：</a:t>
             </a:r>
             <a:endParaRPr lang="zh-CN" altLang="en-US" sz="2400">
               <a:solidFill>
@@ -3645,8 +3850,128 @@
           <a:p>
             <a:pPr marL="0" indent="0" fontAlgn="auto">
               <a:lnSpc>
-                <a:spcPts val="3040"/>
+                <a:spcPct val="100000"/>
               </a:lnSpc>
+              <a:buNone/>
+            </a:pPr>
+            <a:r>
+              <a:rPr lang="en-US" altLang="zh-CN" sz="2400" b="1">
+                <a:solidFill>
+                  <a:schemeClr val="tx1"/>
+                </a:solidFill>
+                <a:uFillTx/>
+                <a:latin typeface="FreeMono" panose="020F0409020205020404" charset="0"/>
+              </a:rPr>
+              <a:t>https://www.wxh5.com/wxmsg</a:t>
+            </a:r>
+            <a:r>
+              <a:rPr lang="zh-CN" altLang="en-US" sz="2400" b="1">
+                <a:solidFill>
+                  <a:schemeClr val="tx1"/>
+                </a:solidFill>
+                <a:uFillTx/>
+                <a:latin typeface="FreeMono" panose="020F0409020205020404" charset="0"/>
+              </a:rPr>
+              <a:t>?</a:t>
+            </a:r>
+            <a:r>
+              <a:rPr lang="zh-CN" altLang="en-US" sz="2400" b="1">
+                <a:solidFill>
+                  <a:schemeClr val="accent2">
+                    <a:lumMod val="50000"/>
+                  </a:schemeClr>
+                </a:solidFill>
+                <a:uFillTx/>
+                <a:latin typeface="FreeMono" panose="020F0409020205020404" charset="0"/>
+              </a:rPr>
+              <a:t>signature=</a:t>
+            </a:r>
+            <a:r>
+              <a:rPr lang="zh-CN" altLang="en-US" sz="2400" b="1">
+                <a:solidFill>
+                  <a:schemeClr val="tx1"/>
+                </a:solidFill>
+                <a:uFillTx/>
+                <a:latin typeface="FreeMono" panose="020F0409020205020404" charset="0"/>
+              </a:rPr>
+              <a:t>561f18d897b08a1d5d5633e03ac9899cc1018ac2&amp;</a:t>
+            </a:r>
+            <a:r>
+              <a:rPr lang="zh-CN" altLang="en-US" sz="2400" b="1">
+                <a:solidFill>
+                  <a:schemeClr val="accent2">
+                    <a:lumMod val="50000"/>
+                  </a:schemeClr>
+                </a:solidFill>
+                <a:uFillTx/>
+                <a:latin typeface="FreeMono" panose="020F0409020205020404" charset="0"/>
+              </a:rPr>
+              <a:t>echostr=</a:t>
+            </a:r>
+            <a:r>
+              <a:rPr lang="zh-CN" altLang="en-US" sz="2400" b="1">
+                <a:solidFill>
+                  <a:schemeClr val="tx1"/>
+                </a:solidFill>
+                <a:uFillTx/>
+                <a:latin typeface="FreeMono" panose="020F0409020205020404" charset="0"/>
+              </a:rPr>
+              <a:t>4701824731143159513&amp;</a:t>
+            </a:r>
+            <a:r>
+              <a:rPr lang="zh-CN" altLang="en-US" sz="2400" b="1">
+                <a:solidFill>
+                  <a:schemeClr val="accent2">
+                    <a:lumMod val="50000"/>
+                  </a:schemeClr>
+                </a:solidFill>
+                <a:uFillTx/>
+                <a:latin typeface="FreeMono" panose="020F0409020205020404" charset="0"/>
+              </a:rPr>
+              <a:t>timestamp=</a:t>
+            </a:r>
+            <a:r>
+              <a:rPr lang="zh-CN" altLang="en-US" sz="2400" b="1">
+                <a:solidFill>
+                  <a:schemeClr val="tx1"/>
+                </a:solidFill>
+                <a:uFillTx/>
+                <a:latin typeface="FreeMono" panose="020F0409020205020404" charset="0"/>
+              </a:rPr>
+              <a:t>1546397393&amp;</a:t>
+            </a:r>
+            <a:r>
+              <a:rPr lang="zh-CN" altLang="en-US" sz="2400" b="1">
+                <a:solidFill>
+                  <a:schemeClr val="accent2">
+                    <a:lumMod val="50000"/>
+                  </a:schemeClr>
+                </a:solidFill>
+                <a:uFillTx/>
+                <a:latin typeface="FreeMono" panose="020F0409020205020404" charset="0"/>
+              </a:rPr>
+              <a:t>nonce=</a:t>
+            </a:r>
+            <a:r>
+              <a:rPr lang="zh-CN" altLang="en-US" sz="2400" b="1">
+                <a:solidFill>
+                  <a:schemeClr val="tx1"/>
+                </a:solidFill>
+                <a:uFillTx/>
+                <a:latin typeface="FreeMono" panose="020F0409020205020404" charset="0"/>
+              </a:rPr>
+              <a:t>1536243785</a:t>
+            </a:r>
+            <a:endParaRPr lang="zh-CN" altLang="en-US" sz="2400">
+              <a:solidFill>
+                <a:schemeClr val="tx1"/>
+              </a:solidFill>
+              <a:uFillTx/>
+              <a:latin typeface="FreeMono" panose="020F0409020205020404" charset="0"/>
+            </a:endParaRPr>
+          </a:p>
+          <a:p>
+            <a:pPr marL="0" indent="0">
               <a:buNone/>
             </a:pPr>
             <a:endParaRPr lang="zh-CN" altLang="en-US" sz="2400">
@@ -3658,190 +3983,7 @@
             </a:endParaRPr>
           </a:p>
           <a:p>
-            <a:pPr marL="0" indent="0" fontAlgn="auto">
-              <a:lnSpc>
-                <a:spcPts val="3040"/>
-              </a:lnSpc>
-              <a:buNone/>
-            </a:pPr>
-            <a:r>
-              <a:rPr lang="en-US" altLang="zh-CN" sz="2200">
-                <a:solidFill>
-                  <a:schemeClr val="tx1"/>
-                </a:solidFill>
-                <a:uFillTx/>
-                <a:latin typeface="FreeMono" panose="020F0409020205020404" charset="0"/>
-              </a:rPr>
-              <a:t>1. </a:t>
-            </a:r>
-            <a:r>
-              <a:rPr lang="zh-CN" altLang="en-US" sz="2200">
-                <a:solidFill>
-                  <a:schemeClr val="tx1"/>
-                </a:solidFill>
-                <a:uFillTx/>
-                <a:latin typeface="FreeMono" panose="020F0409020205020404" charset="0"/>
-              </a:rPr>
-              <a:t>将token、timestamp、nonce三个参数进行字典序排序。</a:t>
-            </a:r>
-            <a:endParaRPr lang="zh-CN" altLang="en-US" sz="2200">
-              <a:solidFill>
-                <a:schemeClr val="tx1"/>
-              </a:solidFill>
-              <a:uFillTx/>
-              <a:latin typeface="FreeMono" panose="020F0409020205020404" charset="0"/>
-            </a:endParaRPr>
-          </a:p>
-          <a:p>
-            <a:pPr marL="0" indent="0" fontAlgn="auto">
-              <a:lnSpc>
-                <a:spcPts val="3040"/>
-              </a:lnSpc>
-              <a:buNone/>
-            </a:pPr>
-            <a:r>
-              <a:rPr lang="en-US" altLang="zh-CN" sz="2200">
-                <a:solidFill>
-                  <a:schemeClr val="tx1"/>
-                </a:solidFill>
-                <a:uFillTx/>
-                <a:latin typeface="FreeMono" panose="020F0409020205020404" charset="0"/>
-              </a:rPr>
-              <a:t>2. </a:t>
-            </a:r>
-            <a:r>
-              <a:rPr lang="zh-CN" altLang="en-US" sz="2200">
-                <a:solidFill>
-                  <a:schemeClr val="tx1"/>
-                </a:solidFill>
-                <a:uFillTx/>
-                <a:latin typeface="FreeMono" panose="020F0409020205020404" charset="0"/>
-              </a:rPr>
-              <a:t>将三个参数字符串拼接成一个字符串进行sha1加密。</a:t>
-            </a:r>
-            <a:endParaRPr lang="zh-CN" altLang="en-US" sz="2200">
-              <a:solidFill>
-                <a:schemeClr val="tx1"/>
-              </a:solidFill>
-              <a:uFillTx/>
-              <a:latin typeface="FreeMono" panose="020F0409020205020404" charset="0"/>
-            </a:endParaRPr>
-          </a:p>
-          <a:p>
-            <a:pPr marL="0" indent="0" fontAlgn="auto">
-              <a:lnSpc>
-                <a:spcPts val="3040"/>
-              </a:lnSpc>
-              <a:buNone/>
-            </a:pPr>
-            <a:r>
-              <a:rPr lang="en-US" altLang="zh-CN" sz="2200">
-                <a:solidFill>
-                  <a:schemeClr val="tx1"/>
-                </a:solidFill>
-                <a:uFillTx/>
-                <a:latin typeface="FreeMono" panose="020F0409020205020404" charset="0"/>
-              </a:rPr>
-              <a:t>3. </a:t>
-            </a:r>
-            <a:r>
-              <a:rPr lang="zh-CN" altLang="en-US" sz="2200">
-                <a:solidFill>
-                  <a:schemeClr val="tx1"/>
-                </a:solidFill>
-                <a:uFillTx/>
-                <a:latin typeface="FreeMono" panose="020F0409020205020404" charset="0"/>
-              </a:rPr>
-              <a:t>开发者获得加密后的字符串可与signature对比，标识该请求来源于微信。</a:t>
-            </a:r>
-            <a:endParaRPr lang="zh-CN" altLang="en-US" sz="2200">
-              <a:solidFill>
-                <a:schemeClr val="tx1"/>
-              </a:solidFill>
-              <a:uFillTx/>
-              <a:latin typeface="FreeMono" panose="020F0409020205020404" charset="0"/>
-            </a:endParaRPr>
-          </a:p>
-          <a:p>
-            <a:pPr marL="0" indent="0" fontAlgn="auto">
-              <a:lnSpc>
-                <a:spcPts val="3040"/>
-              </a:lnSpc>
-              <a:buNone/>
-            </a:pPr>
-            <a:r>
-              <a:rPr lang="en-US" altLang="zh-CN" sz="2200">
-                <a:solidFill>
-                  <a:schemeClr val="tx1"/>
-                </a:solidFill>
-                <a:uFillTx/>
-                <a:latin typeface="FreeMono" panose="020F0409020205020404" charset="0"/>
-              </a:rPr>
-              <a:t>4. </a:t>
-            </a:r>
-            <a:r>
-              <a:rPr lang="zh-CN" altLang="en-US" sz="2200">
-                <a:solidFill>
-                  <a:schemeClr val="tx1"/>
-                </a:solidFill>
-                <a:uFillTx/>
-                <a:latin typeface="FreeMono" panose="020F0409020205020404" charset="0"/>
-              </a:rPr>
-              <a:t>如果对比</a:t>
-            </a:r>
-            <a:r>
-              <a:rPr lang="en-US" altLang="zh-CN" sz="2200">
-                <a:solidFill>
-                  <a:schemeClr val="tx1"/>
-                </a:solidFill>
-                <a:uFillTx/>
-                <a:latin typeface="FreeMono" panose="020F0409020205020404" charset="0"/>
-              </a:rPr>
-              <a:t>signature</a:t>
-            </a:r>
-            <a:r>
-              <a:rPr lang="zh-CN" altLang="en-US" sz="2200">
-                <a:solidFill>
-                  <a:schemeClr val="tx1"/>
-                </a:solidFill>
-                <a:uFillTx/>
-                <a:latin typeface="FreeMono" panose="020F0409020205020404" charset="0"/>
-              </a:rPr>
-              <a:t>相同则返回</a:t>
-            </a:r>
-            <a:r>
-              <a:rPr lang="en-US" altLang="zh-CN" sz="2200">
-                <a:solidFill>
-                  <a:schemeClr val="tx1"/>
-                </a:solidFill>
-                <a:uFillTx/>
-                <a:latin typeface="FreeMono" panose="020F0409020205020404" charset="0"/>
-              </a:rPr>
-              <a:t>echostr</a:t>
-            </a:r>
-            <a:r>
-              <a:rPr lang="zh-CN" altLang="en-US" sz="2200">
-                <a:solidFill>
-                  <a:schemeClr val="tx1"/>
-                </a:solidFill>
-                <a:uFillTx/>
-                <a:latin typeface="FreeMono" panose="020F0409020205020404" charset="0"/>
-              </a:rPr>
-              <a:t>。</a:t>
-            </a:r>
-            <a:endParaRPr lang="zh-CN" altLang="en-US" sz="2200">
-              <a:solidFill>
-                <a:schemeClr val="tx1"/>
-              </a:solidFill>
-              <a:uFillTx/>
-              <a:latin typeface="FreeMono" panose="020F0409020205020404" charset="0"/>
-            </a:endParaRPr>
-          </a:p>
-          <a:p>
-            <a:pPr marL="0" indent="0" fontAlgn="auto">
-              <a:lnSpc>
-                <a:spcPts val="3040"/>
-              </a:lnSpc>
+            <a:pPr marL="0" indent="0">
               <a:buNone/>
             </a:pPr>
             <a:endParaRPr lang="zh-CN" altLang="en-US" sz="2400">
@@ -3853,42 +3995,16 @@
             </a:endParaRPr>
           </a:p>
           <a:p>
-            <a:pPr fontAlgn="auto">
-              <a:lnSpc>
-                <a:spcPts val="3040"/>
-              </a:lnSpc>
+            <a:pPr marL="0" indent="0">
+              <a:buNone/>
             </a:pPr>
-            <a:r>
-              <a:rPr lang="zh-CN" altLang="en-US" sz="2400">
-                <a:solidFill>
-                  <a:schemeClr val="tx1"/>
-                </a:solidFill>
-                <a:uFillTx/>
-                <a:latin typeface="FreeMono" panose="020F0409020205020404" charset="0"/>
-              </a:rPr>
-              <a:t>这是微信开发者文档给出的验证方式，开发者要按照这个流程处理，微信服务器也会按找此方时生成signature，通过</a:t>
-            </a:r>
-            <a:r>
-              <a:rPr lang="en-US" altLang="zh-CN" sz="2400">
-                <a:solidFill>
-                  <a:schemeClr val="tx1"/>
-                </a:solidFill>
-                <a:uFillTx/>
-                <a:latin typeface="FreeMono" panose="020F0409020205020404" charset="0"/>
-              </a:rPr>
-              <a:t>signature</a:t>
-            </a:r>
-            <a:r>
-              <a:rPr lang="zh-CN" altLang="en-US" sz="2400">
-                <a:solidFill>
-                  <a:schemeClr val="tx1"/>
-                </a:solidFill>
-                <a:uFillTx/>
-                <a:latin typeface="FreeMono" panose="020F0409020205020404" charset="0"/>
-              </a:rPr>
-              <a:t>进行请求验证。</a:t>
-            </a:r>
-            <a:endParaRPr lang="zh-CN" altLang="en-US" sz="2400"/>
+            <a:endParaRPr lang="zh-CN" altLang="en-US" sz="2400">
+              <a:solidFill>
+                <a:schemeClr val="tx1"/>
+              </a:solidFill>
+              <a:uFillTx/>
+              <a:latin typeface="FreeMono" panose="020F0409020205020404" charset="0"/>
+            </a:endParaRPr>
           </a:p>
         </p:txBody>
       </p:sp>
@@ -3931,7 +4047,7 @@
           <a:p>
             <a:r>
               <a:rPr lang="zh-CN" altLang="en-US" sz="3600"/>
-              <a:t>要注意的问题</a:t>
+              <a:t>验证过程的处理流程</a:t>
             </a:r>
             <a:endParaRPr lang="zh-CN" altLang="en-US" sz="3600"/>
           </a:p>
@@ -3955,65 +4071,494 @@
         </p:spPr>
         <p:txBody>
           <a:bodyPr>
+            <a:normAutofit lnSpcReduction="20000"/>
+          </a:bodyPr>
+          <a:p>
+            <a:pPr fontAlgn="auto">
+              <a:lnSpc>
+                <a:spcPts val="3040"/>
+              </a:lnSpc>
+            </a:pPr>
+            <a:r>
+              <a:rPr lang="zh-CN" altLang="en-US" sz="2400">
+                <a:solidFill>
+                  <a:schemeClr val="tx1"/>
+                </a:solidFill>
+                <a:uFillTx/>
+                <a:latin typeface="FreeMono" panose="020F0409020205020404" charset="0"/>
+              </a:rPr>
+              <a:t>开发者通过检验signature对请求进行校验。生成signature的方式：</a:t>
+            </a:r>
+            <a:endParaRPr lang="zh-CN" altLang="en-US" sz="2400">
+              <a:solidFill>
+                <a:schemeClr val="tx1"/>
+              </a:solidFill>
+              <a:uFillTx/>
+              <a:latin typeface="FreeMono" panose="020F0409020205020404" charset="0"/>
+            </a:endParaRPr>
+          </a:p>
+          <a:p>
+            <a:pPr marL="0" indent="0" fontAlgn="auto">
+              <a:lnSpc>
+                <a:spcPts val="3040"/>
+              </a:lnSpc>
+              <a:buNone/>
+            </a:pPr>
+            <a:endParaRPr lang="zh-CN" altLang="en-US" sz="2400">
+              <a:solidFill>
+                <a:schemeClr val="tx1"/>
+              </a:solidFill>
+              <a:uFillTx/>
+              <a:latin typeface="FreeMono" panose="020F0409020205020404" charset="0"/>
+            </a:endParaRPr>
+          </a:p>
+          <a:p>
+            <a:pPr marL="0" indent="0" fontAlgn="auto">
+              <a:lnSpc>
+                <a:spcPts val="3040"/>
+              </a:lnSpc>
+              <a:buNone/>
+            </a:pPr>
+            <a:r>
+              <a:rPr lang="en-US" altLang="zh-CN" sz="2200">
+                <a:solidFill>
+                  <a:schemeClr val="tx1"/>
+                </a:solidFill>
+                <a:uFillTx/>
+                <a:latin typeface="FreeMono" panose="020F0409020205020404" charset="0"/>
+              </a:rPr>
+              <a:t>1. </a:t>
+            </a:r>
+            <a:r>
+              <a:rPr lang="zh-CN" altLang="en-US" sz="2200">
+                <a:solidFill>
+                  <a:schemeClr val="tx1"/>
+                </a:solidFill>
+                <a:uFillTx/>
+                <a:latin typeface="FreeMono" panose="020F0409020205020404" charset="0"/>
+              </a:rPr>
+              <a:t>将token、timestamp、nonce三个参数进行字典序排序。</a:t>
+            </a:r>
+            <a:endParaRPr lang="zh-CN" altLang="en-US" sz="2200">
+              <a:solidFill>
+                <a:schemeClr val="tx1"/>
+              </a:solidFill>
+              <a:uFillTx/>
+              <a:latin typeface="FreeMono" panose="020F0409020205020404" charset="0"/>
+            </a:endParaRPr>
+          </a:p>
+          <a:p>
+            <a:pPr marL="0" indent="0" fontAlgn="auto">
+              <a:lnSpc>
+                <a:spcPts val="3040"/>
+              </a:lnSpc>
+              <a:buNone/>
+            </a:pPr>
+            <a:r>
+              <a:rPr lang="en-US" altLang="zh-CN" sz="2200">
+                <a:solidFill>
+                  <a:schemeClr val="tx1"/>
+                </a:solidFill>
+                <a:uFillTx/>
+                <a:latin typeface="FreeMono" panose="020F0409020205020404" charset="0"/>
+              </a:rPr>
+              <a:t>2. </a:t>
+            </a:r>
+            <a:r>
+              <a:rPr lang="zh-CN" altLang="en-US" sz="2200">
+                <a:solidFill>
+                  <a:schemeClr val="tx1"/>
+                </a:solidFill>
+                <a:uFillTx/>
+                <a:latin typeface="FreeMono" panose="020F0409020205020404" charset="0"/>
+              </a:rPr>
+              <a:t>将三个参数字符串拼接成一个字符串进行sha1加密。</a:t>
+            </a:r>
+            <a:endParaRPr lang="zh-CN" altLang="en-US" sz="2200">
+              <a:solidFill>
+                <a:schemeClr val="tx1"/>
+              </a:solidFill>
+              <a:uFillTx/>
+              <a:latin typeface="FreeMono" panose="020F0409020205020404" charset="0"/>
+            </a:endParaRPr>
+          </a:p>
+          <a:p>
+            <a:pPr marL="0" indent="0" fontAlgn="auto">
+              <a:lnSpc>
+                <a:spcPts val="3040"/>
+              </a:lnSpc>
+              <a:buNone/>
+            </a:pPr>
+            <a:r>
+              <a:rPr lang="en-US" altLang="zh-CN" sz="2200">
+                <a:solidFill>
+                  <a:schemeClr val="tx1"/>
+                </a:solidFill>
+                <a:uFillTx/>
+                <a:latin typeface="FreeMono" panose="020F0409020205020404" charset="0"/>
+              </a:rPr>
+              <a:t>3. </a:t>
+            </a:r>
+            <a:r>
+              <a:rPr lang="zh-CN" altLang="en-US" sz="2200">
+                <a:solidFill>
+                  <a:schemeClr val="tx1"/>
+                </a:solidFill>
+                <a:uFillTx/>
+                <a:latin typeface="FreeMono" panose="020F0409020205020404" charset="0"/>
+              </a:rPr>
+              <a:t>开发者获得加密后的字符串可与signature对比，标识该请求来源于微信。</a:t>
+            </a:r>
+            <a:endParaRPr lang="zh-CN" altLang="en-US" sz="2200">
+              <a:solidFill>
+                <a:schemeClr val="tx1"/>
+              </a:solidFill>
+              <a:uFillTx/>
+              <a:latin typeface="FreeMono" panose="020F0409020205020404" charset="0"/>
+            </a:endParaRPr>
+          </a:p>
+          <a:p>
+            <a:pPr marL="0" indent="0" fontAlgn="auto">
+              <a:lnSpc>
+                <a:spcPts val="3040"/>
+              </a:lnSpc>
+              <a:buNone/>
+            </a:pPr>
+            <a:r>
+              <a:rPr lang="en-US" altLang="zh-CN" sz="2200">
+                <a:solidFill>
+                  <a:schemeClr val="tx1"/>
+                </a:solidFill>
+                <a:uFillTx/>
+                <a:latin typeface="FreeMono" panose="020F0409020205020404" charset="0"/>
+              </a:rPr>
+              <a:t>4. </a:t>
+            </a:r>
+            <a:r>
+              <a:rPr lang="zh-CN" altLang="en-US" sz="2200">
+                <a:solidFill>
+                  <a:schemeClr val="tx1"/>
+                </a:solidFill>
+                <a:uFillTx/>
+                <a:latin typeface="FreeMono" panose="020F0409020205020404" charset="0"/>
+              </a:rPr>
+              <a:t>如果对比</a:t>
+            </a:r>
+            <a:r>
+              <a:rPr lang="en-US" altLang="zh-CN" sz="2200">
+                <a:solidFill>
+                  <a:schemeClr val="tx1"/>
+                </a:solidFill>
+                <a:uFillTx/>
+                <a:latin typeface="FreeMono" panose="020F0409020205020404" charset="0"/>
+              </a:rPr>
+              <a:t>signature</a:t>
+            </a:r>
+            <a:r>
+              <a:rPr lang="zh-CN" altLang="en-US" sz="2200">
+                <a:solidFill>
+                  <a:schemeClr val="tx1"/>
+                </a:solidFill>
+                <a:uFillTx/>
+                <a:latin typeface="FreeMono" panose="020F0409020205020404" charset="0"/>
+              </a:rPr>
+              <a:t>相同则返回</a:t>
+            </a:r>
+            <a:r>
+              <a:rPr lang="en-US" altLang="zh-CN" sz="2200">
+                <a:solidFill>
+                  <a:schemeClr val="tx1"/>
+                </a:solidFill>
+                <a:uFillTx/>
+                <a:latin typeface="FreeMono" panose="020F0409020205020404" charset="0"/>
+              </a:rPr>
+              <a:t>echostr</a:t>
+            </a:r>
+            <a:r>
+              <a:rPr lang="zh-CN" altLang="en-US" sz="2200">
+                <a:solidFill>
+                  <a:schemeClr val="tx1"/>
+                </a:solidFill>
+                <a:uFillTx/>
+                <a:latin typeface="FreeMono" panose="020F0409020205020404" charset="0"/>
+              </a:rPr>
+              <a:t>。</a:t>
+            </a:r>
+            <a:endParaRPr lang="zh-CN" altLang="en-US" sz="2200">
+              <a:solidFill>
+                <a:schemeClr val="tx1"/>
+              </a:solidFill>
+              <a:uFillTx/>
+              <a:latin typeface="FreeMono" panose="020F0409020205020404" charset="0"/>
+            </a:endParaRPr>
+          </a:p>
+          <a:p>
+            <a:pPr marL="0" indent="0" fontAlgn="auto">
+              <a:lnSpc>
+                <a:spcPts val="3040"/>
+              </a:lnSpc>
+              <a:buNone/>
+            </a:pPr>
+            <a:endParaRPr lang="zh-CN" altLang="en-US" sz="2400">
+              <a:solidFill>
+                <a:schemeClr val="tx1"/>
+              </a:solidFill>
+              <a:uFillTx/>
+              <a:latin typeface="FreeMono" panose="020F0409020205020404" charset="0"/>
+            </a:endParaRPr>
+          </a:p>
+          <a:p>
+            <a:pPr fontAlgn="auto">
+              <a:lnSpc>
+                <a:spcPts val="3040"/>
+              </a:lnSpc>
+            </a:pPr>
+            <a:r>
+              <a:rPr lang="zh-CN" altLang="en-US" sz="2400">
+                <a:solidFill>
+                  <a:schemeClr val="tx1"/>
+                </a:solidFill>
+                <a:uFillTx/>
+                <a:latin typeface="FreeMono" panose="020F0409020205020404" charset="0"/>
+              </a:rPr>
+              <a:t>这是微信开发者文档给出的验证方式，开发者要按照这个流程处理，微信服务器也会按找此方时生成signature，通过</a:t>
+            </a:r>
+            <a:r>
+              <a:rPr lang="en-US" altLang="zh-CN" sz="2400">
+                <a:solidFill>
+                  <a:schemeClr val="tx1"/>
+                </a:solidFill>
+                <a:uFillTx/>
+                <a:latin typeface="FreeMono" panose="020F0409020205020404" charset="0"/>
+              </a:rPr>
+              <a:t>signature</a:t>
+            </a:r>
+            <a:r>
+              <a:rPr lang="zh-CN" altLang="en-US" sz="2400">
+                <a:solidFill>
+                  <a:schemeClr val="tx1"/>
+                </a:solidFill>
+                <a:uFillTx/>
+                <a:latin typeface="FreeMono" panose="020F0409020205020404" charset="0"/>
+              </a:rPr>
+              <a:t>进行请求验证。</a:t>
+            </a:r>
+            <a:endParaRPr lang="zh-CN" altLang="en-US" sz="2400"/>
+          </a:p>
+        </p:txBody>
+      </p:sp>
+    </p:spTree>
+  </p:cSld>
+  <p:clrMapOvr>
+    <a:masterClrMapping/>
+  </p:clrMapOvr>
+</p:sld>
+</file>
+
+<file path=ppt/slides/slide7.xml><?xml version="1.0" encoding="utf-8"?>
+<p:sld xmlns:a="http://schemas.openxmlformats.org/drawingml/2006/main" xmlns:r="http://schemas.openxmlformats.org/officeDocument/2006/relationships" xmlns:p="http://schemas.openxmlformats.org/presentationml/2006/main">
+  <p:cSld>
+    <p:spTree>
+      <p:nvGrpSpPr>
+        <p:cNvPr id="1" name=""/>
+        <p:cNvGrpSpPr/>
+        <p:nvPr/>
+      </p:nvGrpSpPr>
+      <p:grpSpPr/>
+      <p:sp>
+        <p:nvSpPr>
+          <p:cNvPr id="2" name="标题 1"/>
+          <p:cNvSpPr>
+            <a:spLocks noGrp="1"/>
+          </p:cNvSpPr>
+          <p:nvPr>
+            <p:ph type="title"/>
+          </p:nvPr>
+        </p:nvSpPr>
+        <p:spPr>
+          <a:xfrm>
+            <a:off x="838200" y="365125"/>
+            <a:ext cx="10515600" cy="722630"/>
+          </a:xfrm>
+        </p:spPr>
+        <p:txBody>
+          <a:bodyPr/>
+          <a:p>
+            <a:r>
+              <a:rPr lang="zh-CN" altLang="en-US" sz="3600"/>
+              <a:t>要注意的问题</a:t>
+            </a:r>
+            <a:endParaRPr lang="zh-CN" altLang="en-US" sz="3600"/>
+          </a:p>
+        </p:txBody>
+      </p:sp>
+      <p:sp>
+        <p:nvSpPr>
+          <p:cNvPr id="3" name="内容占位符 2"/>
+          <p:cNvSpPr>
+            <a:spLocks noGrp="1"/>
+          </p:cNvSpPr>
+          <p:nvPr>
+            <p:ph idx="1"/>
+          </p:nvPr>
+        </p:nvSpPr>
+        <p:spPr>
+          <a:xfrm>
+            <a:off x="838200" y="1325880"/>
+            <a:ext cx="10515600" cy="5098415"/>
+          </a:xfrm>
+        </p:spPr>
+        <p:txBody>
+          <a:bodyPr>
             <a:normAutofit/>
           </a:bodyPr>
           <a:p>
             <a:r>
-              <a:rPr lang="en-US" altLang="zh-CN" sz="2400"/>
+              <a:rPr lang="en-US" altLang="zh-CN" sz="2400">
+                <a:solidFill>
+                  <a:schemeClr val="tx1"/>
+                </a:solidFill>
+                <a:uFillTx/>
+                <a:latin typeface="FreeMono" panose="020F0409020205020404" charset="0"/>
+              </a:rPr>
               <a:t>URL</a:t>
             </a:r>
             <a:r>
-              <a:rPr lang="zh-CN" altLang="en-US" sz="2400"/>
+              <a:rPr lang="zh-CN" altLang="en-US" sz="2400">
+                <a:solidFill>
+                  <a:schemeClr val="tx1"/>
+                </a:solidFill>
+                <a:uFillTx/>
+                <a:latin typeface="FreeMono" panose="020F0409020205020404" charset="0"/>
+              </a:rPr>
               <a:t>不支持</a:t>
             </a:r>
             <a:r>
-              <a:rPr lang="en-US" altLang="zh-CN" sz="2400"/>
+              <a:rPr lang="en-US" altLang="zh-CN" sz="2400">
+                <a:solidFill>
+                  <a:schemeClr val="tx1"/>
+                </a:solidFill>
+                <a:uFillTx/>
+                <a:latin typeface="FreeMono" panose="020F0409020205020404" charset="0"/>
+              </a:rPr>
               <a:t>IP</a:t>
             </a:r>
             <a:r>
-              <a:rPr lang="zh-CN" altLang="en-US" sz="2400"/>
+              <a:rPr lang="zh-CN" altLang="en-US" sz="2400">
+                <a:solidFill>
+                  <a:schemeClr val="tx1"/>
+                </a:solidFill>
+                <a:uFillTx/>
+                <a:latin typeface="FreeMono" panose="020F0409020205020404" charset="0"/>
+              </a:rPr>
               <a:t>地址和端口号，只能使用已经备案的域名。</a:t>
             </a:r>
-            <a:endParaRPr lang="zh-CN" altLang="en-US" sz="2400"/>
+            <a:endParaRPr lang="zh-CN" altLang="en-US" sz="2400">
+              <a:solidFill>
+                <a:schemeClr val="tx1"/>
+              </a:solidFill>
+              <a:uFillTx/>
+              <a:latin typeface="FreeMono" panose="020F0409020205020404" charset="0"/>
+            </a:endParaRPr>
           </a:p>
           <a:p>
             <a:pPr marL="0" indent="0">
               <a:buNone/>
             </a:pPr>
-            <a:endParaRPr lang="zh-CN" altLang="en-US" sz="2400"/>
-          </a:p>
-          <a:p>
-            <a:r>
-              <a:rPr lang="zh-CN" altLang="en-US" sz="2400"/>
+            <a:endParaRPr lang="zh-CN" altLang="en-US" sz="2400">
+              <a:solidFill>
+                <a:schemeClr val="tx1"/>
+              </a:solidFill>
+              <a:uFillTx/>
+              <a:latin typeface="FreeMono" panose="020F0409020205020404" charset="0"/>
+            </a:endParaRPr>
+          </a:p>
+          <a:p>
+            <a:r>
+              <a:rPr lang="zh-CN" altLang="en-US" sz="2400">
+                <a:solidFill>
+                  <a:schemeClr val="tx1"/>
+                </a:solidFill>
+                <a:uFillTx/>
+                <a:latin typeface="FreeMono" panose="020F0409020205020404" charset="0"/>
+              </a:rPr>
               <a:t>如果确认处理过程没有问题，但是还无法验证，可能是域名被微信封杀，需要申请解封。</a:t>
             </a:r>
-            <a:endParaRPr lang="zh-CN" altLang="en-US" sz="2400"/>
-          </a:p>
-          <a:p>
-            <a:endParaRPr lang="en-US" altLang="zh-CN" sz="2400"/>
-          </a:p>
-          <a:p>
-            <a:r>
-              <a:rPr lang="zh-CN" altLang="en-US" sz="2400"/>
+            <a:endParaRPr lang="zh-CN" altLang="en-US" sz="2400">
+              <a:solidFill>
+                <a:schemeClr val="tx1"/>
+              </a:solidFill>
+              <a:uFillTx/>
+              <a:latin typeface="FreeMono" panose="020F0409020205020404" charset="0"/>
+            </a:endParaRPr>
+          </a:p>
+          <a:p>
+            <a:endParaRPr lang="en-US" altLang="zh-CN" sz="2400">
+              <a:solidFill>
+                <a:schemeClr val="tx1"/>
+              </a:solidFill>
+              <a:uFillTx/>
+              <a:latin typeface="FreeMono" panose="020F0409020205020404" charset="0"/>
+            </a:endParaRPr>
+          </a:p>
+          <a:p>
+            <a:r>
+              <a:rPr lang="zh-CN" altLang="en-US" sz="2400">
+                <a:solidFill>
+                  <a:schemeClr val="tx1"/>
+                </a:solidFill>
+                <a:uFillTx/>
+                <a:latin typeface="FreeMono" panose="020F0409020205020404" charset="0"/>
+              </a:rPr>
               <a:t>验证过程是</a:t>
             </a:r>
             <a:r>
-              <a:rPr lang="en-US" altLang="zh-CN" sz="2400"/>
+              <a:rPr lang="en-US" altLang="zh-CN" sz="2400">
+                <a:solidFill>
+                  <a:schemeClr val="tx1"/>
+                </a:solidFill>
+                <a:uFillTx/>
+                <a:latin typeface="FreeMono" panose="020F0409020205020404" charset="0"/>
+              </a:rPr>
               <a:t>GET</a:t>
             </a:r>
             <a:r>
-              <a:rPr lang="zh-CN" altLang="en-US" sz="2400"/>
+              <a:rPr lang="zh-CN" altLang="en-US" sz="2400">
+                <a:solidFill>
+                  <a:schemeClr val="tx1"/>
+                </a:solidFill>
+                <a:uFillTx/>
+                <a:latin typeface="FreeMono" panose="020F0409020205020404" charset="0"/>
+              </a:rPr>
               <a:t>请求，而验证成功后转发消息要改成</a:t>
             </a:r>
             <a:r>
-              <a:rPr lang="en-US" altLang="zh-CN" sz="2400"/>
+              <a:rPr lang="en-US" altLang="zh-CN" sz="2400">
+                <a:solidFill>
+                  <a:schemeClr val="tx1"/>
+                </a:solidFill>
+                <a:uFillTx/>
+                <a:latin typeface="FreeMono" panose="020F0409020205020404" charset="0"/>
+              </a:rPr>
               <a:t>POST</a:t>
             </a:r>
             <a:r>
-              <a:rPr lang="zh-CN" altLang="en-US" sz="2400"/>
+              <a:rPr lang="zh-CN" altLang="en-US" sz="2400">
+                <a:solidFill>
+                  <a:schemeClr val="tx1"/>
+                </a:solidFill>
+                <a:uFillTx/>
+                <a:latin typeface="FreeMono" panose="020F0409020205020404" charset="0"/>
+              </a:rPr>
               <a:t>请求处理，这两个情况是互斥的。</a:t>
             </a:r>
-            <a:endParaRPr lang="zh-CN" altLang="en-US" sz="2400"/>
+            <a:endParaRPr lang="zh-CN" altLang="en-US" sz="2400">
+              <a:solidFill>
+                <a:schemeClr val="tx1"/>
+              </a:solidFill>
+              <a:uFillTx/>
+              <a:latin typeface="FreeMono" panose="020F0409020205020404" charset="0"/>
+            </a:endParaRPr>
           </a:p>
         </p:txBody>
       </p:sp>
